--- a/e107_revision/2023.08.09_test.pptx
+++ b/e107_revision/2023.08.09_test.pptx
@@ -7,8 +7,17 @@
   <p:sldIdLst>
     <p:sldId id="256" r:id="rId2"/>
     <p:sldId id="257" r:id="rId3"/>
-    <p:sldId id="259" r:id="rId4"/>
-    <p:sldId id="258" r:id="rId5"/>
+    <p:sldId id="258" r:id="rId4"/>
+    <p:sldId id="259" r:id="rId5"/>
+    <p:sldId id="260" r:id="rId6"/>
+    <p:sldId id="261" r:id="rId7"/>
+    <p:sldId id="262" r:id="rId8"/>
+    <p:sldId id="263" r:id="rId9"/>
+    <p:sldId id="264" r:id="rId10"/>
+    <p:sldId id="265" r:id="rId11"/>
+    <p:sldId id="266" r:id="rId12"/>
+    <p:sldId id="267" r:id="rId13"/>
+    <p:sldId id="268" r:id="rId14"/>
   </p:sldIdLst>
   <p:sldSz cx="12192000" cy="6858000"/>
   <p:notesSz cx="6858000" cy="9144000"/>
@@ -264,7 +273,7 @@
           <a:p>
             <a:fld id="{70C657AA-C5B8-47DD-BA5E-84B85563C266}" type="datetimeFigureOut">
               <a:rPr lang="en-GB" smtClean="0"/>
-              <a:t>09/08/2023</a:t>
+              <a:t>14/08/2023</a:t>
             </a:fld>
             <a:endParaRPr lang="en-GB"/>
           </a:p>
@@ -464,7 +473,7 @@
           <a:p>
             <a:fld id="{70C657AA-C5B8-47DD-BA5E-84B85563C266}" type="datetimeFigureOut">
               <a:rPr lang="en-GB" smtClean="0"/>
-              <a:t>09/08/2023</a:t>
+              <a:t>14/08/2023</a:t>
             </a:fld>
             <a:endParaRPr lang="en-GB"/>
           </a:p>
@@ -674,7 +683,7 @@
           <a:p>
             <a:fld id="{70C657AA-C5B8-47DD-BA5E-84B85563C266}" type="datetimeFigureOut">
               <a:rPr lang="en-GB" smtClean="0"/>
-              <a:t>09/08/2023</a:t>
+              <a:t>14/08/2023</a:t>
             </a:fld>
             <a:endParaRPr lang="en-GB"/>
           </a:p>
@@ -874,7 +883,7 @@
           <a:p>
             <a:fld id="{70C657AA-C5B8-47DD-BA5E-84B85563C266}" type="datetimeFigureOut">
               <a:rPr lang="en-GB" smtClean="0"/>
-              <a:t>09/08/2023</a:t>
+              <a:t>14/08/2023</a:t>
             </a:fld>
             <a:endParaRPr lang="en-GB"/>
           </a:p>
@@ -1150,7 +1159,7 @@
           <a:p>
             <a:fld id="{70C657AA-C5B8-47DD-BA5E-84B85563C266}" type="datetimeFigureOut">
               <a:rPr lang="en-GB" smtClean="0"/>
-              <a:t>09/08/2023</a:t>
+              <a:t>14/08/2023</a:t>
             </a:fld>
             <a:endParaRPr lang="en-GB"/>
           </a:p>
@@ -1418,7 +1427,7 @@
           <a:p>
             <a:fld id="{70C657AA-C5B8-47DD-BA5E-84B85563C266}" type="datetimeFigureOut">
               <a:rPr lang="en-GB" smtClean="0"/>
-              <a:t>09/08/2023</a:t>
+              <a:t>14/08/2023</a:t>
             </a:fld>
             <a:endParaRPr lang="en-GB"/>
           </a:p>
@@ -1833,7 +1842,7 @@
           <a:p>
             <a:fld id="{70C657AA-C5B8-47DD-BA5E-84B85563C266}" type="datetimeFigureOut">
               <a:rPr lang="en-GB" smtClean="0"/>
-              <a:t>09/08/2023</a:t>
+              <a:t>14/08/2023</a:t>
             </a:fld>
             <a:endParaRPr lang="en-GB"/>
           </a:p>
@@ -1975,7 +1984,7 @@
           <a:p>
             <a:fld id="{70C657AA-C5B8-47DD-BA5E-84B85563C266}" type="datetimeFigureOut">
               <a:rPr lang="en-GB" smtClean="0"/>
-              <a:t>09/08/2023</a:t>
+              <a:t>14/08/2023</a:t>
             </a:fld>
             <a:endParaRPr lang="en-GB"/>
           </a:p>
@@ -2088,7 +2097,7 @@
           <a:p>
             <a:fld id="{70C657AA-C5B8-47DD-BA5E-84B85563C266}" type="datetimeFigureOut">
               <a:rPr lang="en-GB" smtClean="0"/>
-              <a:t>09/08/2023</a:t>
+              <a:t>14/08/2023</a:t>
             </a:fld>
             <a:endParaRPr lang="en-GB"/>
           </a:p>
@@ -2401,7 +2410,7 @@
           <a:p>
             <a:fld id="{70C657AA-C5B8-47DD-BA5E-84B85563C266}" type="datetimeFigureOut">
               <a:rPr lang="en-GB" smtClean="0"/>
-              <a:t>09/08/2023</a:t>
+              <a:t>14/08/2023</a:t>
             </a:fld>
             <a:endParaRPr lang="en-GB"/>
           </a:p>
@@ -2690,7 +2699,7 @@
           <a:p>
             <a:fld id="{70C657AA-C5B8-47DD-BA5E-84B85563C266}" type="datetimeFigureOut">
               <a:rPr lang="en-GB" smtClean="0"/>
-              <a:t>09/08/2023</a:t>
+              <a:t>14/08/2023</a:t>
             </a:fld>
             <a:endParaRPr lang="en-GB"/>
           </a:p>
@@ -2933,7 +2942,7 @@
           <a:p>
             <a:fld id="{70C657AA-C5B8-47DD-BA5E-84B85563C266}" type="datetimeFigureOut">
               <a:rPr lang="en-GB" smtClean="0"/>
-              <a:t>09/08/2023</a:t>
+              <a:t>14/08/2023</a:t>
             </a:fld>
             <a:endParaRPr lang="en-GB"/>
           </a:p>
@@ -3431,6 +3440,531 @@
 </p:sld>
 </file>
 
+<file path=ppt/slides/slide10.xml><?xml version="1.0" encoding="utf-8"?>
+<p:sld xmlns:a="http://schemas.openxmlformats.org/drawingml/2006/main" xmlns:r="http://schemas.openxmlformats.org/officeDocument/2006/relationships" xmlns:p="http://schemas.openxmlformats.org/presentationml/2006/main">
+  <p:cSld>
+    <p:spTree>
+      <p:nvGrpSpPr>
+        <p:cNvPr id="1" name=""/>
+        <p:cNvGrpSpPr/>
+        <p:nvPr/>
+      </p:nvGrpSpPr>
+      <p:grpSpPr>
+        <a:xfrm>
+          <a:off x="0" y="0"/>
+          <a:ext cx="0" cy="0"/>
+          <a:chOff x="0" y="0"/>
+          <a:chExt cx="0" cy="0"/>
+        </a:xfrm>
+      </p:grpSpPr>
+      <p:sp>
+        <p:nvSpPr>
+          <p:cNvPr id="2" name="Title 1">
+            <a:extLst>
+              <a:ext uri="{FF2B5EF4-FFF2-40B4-BE49-F238E27FC236}">
+                <a16:creationId xmlns:a16="http://schemas.microsoft.com/office/drawing/2014/main" id="{BCDB68F7-4A15-3E29-C9E7-304230E0615C}"/>
+              </a:ext>
+            </a:extLst>
+          </p:cNvPr>
+          <p:cNvSpPr>
+            <a:spLocks noGrp="1"/>
+          </p:cNvSpPr>
+          <p:nvPr>
+            <p:ph type="title"/>
+          </p:nvPr>
+        </p:nvSpPr>
+        <p:spPr>
+          <a:xfrm>
+            <a:off x="838200" y="365125"/>
+            <a:ext cx="10515600" cy="991727"/>
+          </a:xfrm>
+        </p:spPr>
+        <p:txBody>
+          <a:bodyPr/>
+          <a:lstStyle/>
+          <a:p>
+            <a:r>
+              <a:rPr lang="en-GB" dirty="0"/>
+              <a:t>New MEPS test</a:t>
+            </a:r>
+          </a:p>
+        </p:txBody>
+      </p:sp>
+      <p:sp>
+        <p:nvSpPr>
+          <p:cNvPr id="3" name="Content Placeholder 2">
+            <a:extLst>
+              <a:ext uri="{FF2B5EF4-FFF2-40B4-BE49-F238E27FC236}">
+                <a16:creationId xmlns:a16="http://schemas.microsoft.com/office/drawing/2014/main" id="{3A052204-F4B2-EC27-ED70-94583ADAEE36}"/>
+              </a:ext>
+            </a:extLst>
+          </p:cNvPr>
+          <p:cNvSpPr>
+            <a:spLocks noGrp="1"/>
+          </p:cNvSpPr>
+          <p:nvPr>
+            <p:ph idx="1"/>
+          </p:nvPr>
+        </p:nvSpPr>
+        <p:spPr>
+          <a:xfrm>
+            <a:off x="631722" y="1504334"/>
+            <a:ext cx="10921649" cy="4881951"/>
+          </a:xfrm>
+        </p:spPr>
+        <p:txBody>
+          <a:bodyPr/>
+          <a:lstStyle/>
+          <a:p>
+            <a:r>
+              <a:rPr lang="en-GB" dirty="0"/>
+              <a:t>Wire only, try with larger surface area. </a:t>
+            </a:r>
+          </a:p>
+          <a:p>
+            <a:r>
+              <a:rPr lang="en-GB" dirty="0"/>
+              <a:t>New </a:t>
+            </a:r>
+            <a:r>
+              <a:rPr lang="en-GB" dirty="0" err="1"/>
+              <a:t>meps</a:t>
+            </a:r>
+            <a:r>
+              <a:rPr lang="en-GB" dirty="0"/>
+              <a:t> waveform with two PRF waves mixing together to keep the pressure and current more linear. </a:t>
+            </a:r>
+          </a:p>
+          <a:p>
+            <a:r>
+              <a:rPr lang="en-GB" dirty="0"/>
+              <a:t>Do a phantom test, is it more linear, do I get weird amplitude changes at all? Apply current alone and US alone, then both together. </a:t>
+            </a:r>
+          </a:p>
+          <a:p>
+            <a:r>
+              <a:rPr lang="en-GB" dirty="0"/>
+              <a:t>Goal is to get a linear straight forward f mixing interaction without generating all these extra frequencies. </a:t>
+            </a:r>
+          </a:p>
+          <a:p>
+            <a:r>
+              <a:rPr lang="en-GB" dirty="0"/>
+              <a:t>Also, I’d prefer NOT to be switching cables around so calibrate with the PRF. Test this here. </a:t>
+            </a:r>
+          </a:p>
+          <a:p>
+            <a:r>
+              <a:rPr lang="en-GB" dirty="0"/>
+              <a:t>It is possible the silver wires add non-linearities. </a:t>
+            </a:r>
+          </a:p>
+        </p:txBody>
+      </p:sp>
+    </p:spTree>
+    <p:extLst>
+      <p:ext uri="{BB962C8B-B14F-4D97-AF65-F5344CB8AC3E}">
+        <p14:creationId xmlns:p14="http://schemas.microsoft.com/office/powerpoint/2010/main" val="804718956"/>
+      </p:ext>
+    </p:extLst>
+  </p:cSld>
+  <p:clrMapOvr>
+    <a:masterClrMapping/>
+  </p:clrMapOvr>
+</p:sld>
+</file>
+
+<file path=ppt/slides/slide11.xml><?xml version="1.0" encoding="utf-8"?>
+<p:sld xmlns:a="http://schemas.openxmlformats.org/drawingml/2006/main" xmlns:r="http://schemas.openxmlformats.org/officeDocument/2006/relationships" xmlns:p="http://schemas.openxmlformats.org/presentationml/2006/main">
+  <p:cSld>
+    <p:spTree>
+      <p:nvGrpSpPr>
+        <p:cNvPr id="1" name=""/>
+        <p:cNvGrpSpPr/>
+        <p:nvPr/>
+      </p:nvGrpSpPr>
+      <p:grpSpPr>
+        <a:xfrm>
+          <a:off x="0" y="0"/>
+          <a:ext cx="0" cy="0"/>
+          <a:chOff x="0" y="0"/>
+          <a:chExt cx="0" cy="0"/>
+        </a:xfrm>
+      </p:grpSpPr>
+      <p:sp>
+        <p:nvSpPr>
+          <p:cNvPr id="2" name="Title 1">
+            <a:extLst>
+              <a:ext uri="{FF2B5EF4-FFF2-40B4-BE49-F238E27FC236}">
+                <a16:creationId xmlns:a16="http://schemas.microsoft.com/office/drawing/2014/main" id="{D9F23E61-67C9-B79E-4723-3141B6597DA8}"/>
+              </a:ext>
+            </a:extLst>
+          </p:cNvPr>
+          <p:cNvSpPr>
+            <a:spLocks noGrp="1"/>
+          </p:cNvSpPr>
+          <p:nvPr>
+            <p:ph type="title"/>
+          </p:nvPr>
+        </p:nvSpPr>
+        <p:spPr>
+          <a:xfrm>
+            <a:off x="838200" y="365125"/>
+            <a:ext cx="10515600" cy="1151703"/>
+          </a:xfrm>
+        </p:spPr>
+        <p:txBody>
+          <a:bodyPr/>
+          <a:lstStyle/>
+          <a:p>
+            <a:r>
+              <a:rPr lang="en-GB" dirty="0"/>
+              <a:t>Phantom e107 t 6</a:t>
+            </a:r>
+          </a:p>
+        </p:txBody>
+      </p:sp>
+      <p:sp>
+        <p:nvSpPr>
+          <p:cNvPr id="3" name="Content Placeholder 2">
+            <a:extLst>
+              <a:ext uri="{FF2B5EF4-FFF2-40B4-BE49-F238E27FC236}">
+                <a16:creationId xmlns:a16="http://schemas.microsoft.com/office/drawing/2014/main" id="{5A0D51EF-D7FA-6373-111A-D2F963893FBB}"/>
+              </a:ext>
+            </a:extLst>
+          </p:cNvPr>
+          <p:cNvSpPr>
+            <a:spLocks noGrp="1"/>
+          </p:cNvSpPr>
+          <p:nvPr>
+            <p:ph idx="1"/>
+          </p:nvPr>
+        </p:nvSpPr>
+        <p:spPr>
+          <a:xfrm>
+            <a:off x="561703" y="1690688"/>
+            <a:ext cx="11116491" cy="4486275"/>
+          </a:xfrm>
+        </p:spPr>
+        <p:txBody>
+          <a:bodyPr/>
+          <a:lstStyle/>
+          <a:p>
+            <a:r>
+              <a:rPr lang="en-GB" dirty="0"/>
+              <a:t>Calibration with PRF works fantastically, 3 second duration. Use from now on. </a:t>
+            </a:r>
+          </a:p>
+          <a:p>
+            <a:r>
+              <a:rPr lang="en-GB" dirty="0"/>
+              <a:t>I apply my dual </a:t>
+            </a:r>
+            <a:r>
+              <a:rPr lang="en-GB" dirty="0" err="1"/>
+              <a:t>prf</a:t>
+            </a:r>
+            <a:r>
+              <a:rPr lang="en-GB" dirty="0"/>
+              <a:t> waveform, and I see a TON of non-linear components. I am using copper tape to increase the surface area of my wire which is applying the stimulation. The dual PRF waveform works fine. </a:t>
+            </a:r>
+          </a:p>
+          <a:p>
+            <a:r>
+              <a:rPr lang="en-GB" dirty="0"/>
+              <a:t>PRF: Move the voltage up, and I do get a larger 18 microvolt ae. At 80hz.</a:t>
+            </a:r>
+          </a:p>
+          <a:p>
+            <a:r>
+              <a:rPr lang="en-GB" dirty="0"/>
+              <a:t>I can even have the preamp set lower… </a:t>
+            </a:r>
+          </a:p>
+          <a:p>
+            <a:r>
+              <a:rPr lang="en-GB" dirty="0"/>
+              <a:t>I get this non-linear leap in amplitude… round 3V… in phantom too. </a:t>
+            </a:r>
+          </a:p>
+          <a:p>
+            <a:endParaRPr lang="en-GB" dirty="0"/>
+          </a:p>
+          <a:p>
+            <a:endParaRPr lang="en-GB" dirty="0"/>
+          </a:p>
+          <a:p>
+            <a:endParaRPr lang="en-GB" dirty="0"/>
+          </a:p>
+        </p:txBody>
+      </p:sp>
+    </p:spTree>
+    <p:extLst>
+      <p:ext uri="{BB962C8B-B14F-4D97-AF65-F5344CB8AC3E}">
+        <p14:creationId xmlns:p14="http://schemas.microsoft.com/office/powerpoint/2010/main" val="2115287897"/>
+      </p:ext>
+    </p:extLst>
+  </p:cSld>
+  <p:clrMapOvr>
+    <a:masterClrMapping/>
+  </p:clrMapOvr>
+</p:sld>
+</file>
+
+<file path=ppt/slides/slide12.xml><?xml version="1.0" encoding="utf-8"?>
+<p:sld xmlns:a="http://schemas.openxmlformats.org/drawingml/2006/main" xmlns:r="http://schemas.openxmlformats.org/officeDocument/2006/relationships" xmlns:p="http://schemas.openxmlformats.org/presentationml/2006/main">
+  <p:cSld>
+    <p:spTree>
+      <p:nvGrpSpPr>
+        <p:cNvPr id="1" name=""/>
+        <p:cNvGrpSpPr/>
+        <p:nvPr/>
+      </p:nvGrpSpPr>
+      <p:grpSpPr>
+        <a:xfrm>
+          <a:off x="0" y="0"/>
+          <a:ext cx="0" cy="0"/>
+          <a:chOff x="0" y="0"/>
+          <a:chExt cx="0" cy="0"/>
+        </a:xfrm>
+      </p:grpSpPr>
+      <p:sp>
+        <p:nvSpPr>
+          <p:cNvPr id="2" name="Title 1">
+            <a:extLst>
+              <a:ext uri="{FF2B5EF4-FFF2-40B4-BE49-F238E27FC236}">
+                <a16:creationId xmlns:a16="http://schemas.microsoft.com/office/drawing/2014/main" id="{964C9C1B-177E-F88F-6ECA-D15211F96F97}"/>
+              </a:ext>
+            </a:extLst>
+          </p:cNvPr>
+          <p:cNvSpPr>
+            <a:spLocks noGrp="1"/>
+          </p:cNvSpPr>
+          <p:nvPr>
+            <p:ph type="title"/>
+          </p:nvPr>
+        </p:nvSpPr>
+        <p:spPr/>
+        <p:txBody>
+          <a:bodyPr/>
+          <a:lstStyle/>
+          <a:p>
+            <a:r>
+              <a:rPr lang="en-GB" dirty="0"/>
+              <a:t>MEP Mouse</a:t>
+            </a:r>
+          </a:p>
+        </p:txBody>
+      </p:sp>
+      <p:sp>
+        <p:nvSpPr>
+          <p:cNvPr id="3" name="Content Placeholder 2">
+            <a:extLst>
+              <a:ext uri="{FF2B5EF4-FFF2-40B4-BE49-F238E27FC236}">
+                <a16:creationId xmlns:a16="http://schemas.microsoft.com/office/drawing/2014/main" id="{36C15F08-A578-71FB-9B05-A6BB996172A2}"/>
+              </a:ext>
+            </a:extLst>
+          </p:cNvPr>
+          <p:cNvSpPr>
+            <a:spLocks noGrp="1"/>
+          </p:cNvSpPr>
+          <p:nvPr>
+            <p:ph idx="1"/>
+          </p:nvPr>
+        </p:nvSpPr>
+        <p:spPr/>
+        <p:txBody>
+          <a:bodyPr/>
+          <a:lstStyle/>
+          <a:p>
+            <a:r>
+              <a:rPr lang="en-GB" dirty="0"/>
+              <a:t>Preamp:  1hz high pass, 100hz low pass. </a:t>
+            </a:r>
+          </a:p>
+          <a:p>
+            <a:r>
+              <a:rPr lang="en-GB" dirty="0"/>
+              <a:t>V out = 3, use aemeps_prf.py </a:t>
+            </a:r>
+          </a:p>
+          <a:p>
+            <a:r>
+              <a:rPr lang="en-GB" dirty="0"/>
+              <a:t>Ensure I am applying the voltage well… like if I get a small amplitude, know to fiddle with connection. </a:t>
+            </a:r>
+          </a:p>
+          <a:p>
+            <a:r>
+              <a:rPr lang="en-GB" dirty="0"/>
+              <a:t>Calibrate with the ae_demod_PRF.py code. </a:t>
+            </a:r>
+          </a:p>
+          <a:p>
+            <a:r>
+              <a:rPr lang="en-GB" dirty="0"/>
+              <a:t>Use the silver wire connector mouse, simply because that mouse is ready, and has reliable signals.  </a:t>
+            </a:r>
+          </a:p>
+          <a:p>
+            <a:r>
+              <a:rPr lang="en-GB" dirty="0"/>
+              <a:t>I had a lot of trouble calibrating, and appeared to be measuring noise… I couldn’t see a delta wave. </a:t>
+            </a:r>
+          </a:p>
+        </p:txBody>
+      </p:sp>
+    </p:spTree>
+    <p:extLst>
+      <p:ext uri="{BB962C8B-B14F-4D97-AF65-F5344CB8AC3E}">
+        <p14:creationId xmlns:p14="http://schemas.microsoft.com/office/powerpoint/2010/main" val="517993631"/>
+      </p:ext>
+    </p:extLst>
+  </p:cSld>
+  <p:clrMapOvr>
+    <a:masterClrMapping/>
+  </p:clrMapOvr>
+</p:sld>
+</file>
+
+<file path=ppt/slides/slide13.xml><?xml version="1.0" encoding="utf-8"?>
+<p:sld xmlns:a="http://schemas.openxmlformats.org/drawingml/2006/main" xmlns:r="http://schemas.openxmlformats.org/officeDocument/2006/relationships" xmlns:p="http://schemas.openxmlformats.org/presentationml/2006/main">
+  <p:cSld>
+    <p:spTree>
+      <p:nvGrpSpPr>
+        <p:cNvPr id="1" name=""/>
+        <p:cNvGrpSpPr/>
+        <p:nvPr/>
+      </p:nvGrpSpPr>
+      <p:grpSpPr>
+        <a:xfrm>
+          <a:off x="0" y="0"/>
+          <a:ext cx="0" cy="0"/>
+          <a:chOff x="0" y="0"/>
+          <a:chExt cx="0" cy="0"/>
+        </a:xfrm>
+      </p:grpSpPr>
+      <p:sp>
+        <p:nvSpPr>
+          <p:cNvPr id="2" name="Title 1">
+            <a:extLst>
+              <a:ext uri="{FF2B5EF4-FFF2-40B4-BE49-F238E27FC236}">
+                <a16:creationId xmlns:a16="http://schemas.microsoft.com/office/drawing/2014/main" id="{9BE7102C-6CC6-192E-3537-537AB4122104}"/>
+              </a:ext>
+            </a:extLst>
+          </p:cNvPr>
+          <p:cNvSpPr>
+            <a:spLocks noGrp="1"/>
+          </p:cNvSpPr>
+          <p:nvPr>
+            <p:ph type="title"/>
+          </p:nvPr>
+        </p:nvSpPr>
+        <p:spPr>
+          <a:xfrm>
+            <a:off x="838200" y="365125"/>
+            <a:ext cx="10515600" cy="1083665"/>
+          </a:xfrm>
+        </p:spPr>
+        <p:txBody>
+          <a:bodyPr>
+            <a:normAutofit fontScale="90000"/>
+          </a:bodyPr>
+          <a:lstStyle/>
+          <a:p>
+            <a:r>
+              <a:rPr lang="en-GB" dirty="0"/>
+              <a:t>Blip analysis – and conclusion as to what to do for this 200hz or 20hz which appears after some time. </a:t>
+            </a:r>
+          </a:p>
+        </p:txBody>
+      </p:sp>
+      <p:sp>
+        <p:nvSpPr>
+          <p:cNvPr id="3" name="Content Placeholder 2">
+            <a:extLst>
+              <a:ext uri="{FF2B5EF4-FFF2-40B4-BE49-F238E27FC236}">
+                <a16:creationId xmlns:a16="http://schemas.microsoft.com/office/drawing/2014/main" id="{F33CE9DA-005A-ED5E-4E04-DB6FB85084C2}"/>
+              </a:ext>
+            </a:extLst>
+          </p:cNvPr>
+          <p:cNvSpPr>
+            <a:spLocks noGrp="1"/>
+          </p:cNvSpPr>
+          <p:nvPr>
+            <p:ph idx="1"/>
+          </p:nvPr>
+        </p:nvSpPr>
+        <p:spPr>
+          <a:xfrm>
+            <a:off x="403761" y="1710047"/>
+            <a:ext cx="11305309" cy="4643252"/>
+          </a:xfrm>
+        </p:spPr>
+        <p:txBody>
+          <a:bodyPr/>
+          <a:lstStyle/>
+          <a:p>
+            <a:r>
+              <a:rPr lang="en-GB" dirty="0"/>
+              <a:t>Noise springs in at the second half of files… this is where the 200Hz arises. This could be due to magnetostriction in the transformer. Pausing the current for a moment would fix it? </a:t>
+            </a:r>
+          </a:p>
+          <a:p>
+            <a:r>
+              <a:rPr lang="en-GB" dirty="0"/>
+              <a:t>Solution: I implemented a 0.05s pause if the ISI is set. </a:t>
+            </a:r>
+          </a:p>
+          <a:p>
+            <a:r>
+              <a:rPr lang="en-GB" dirty="0"/>
+              <a:t>The height differences throughout the file, are due to the bit depth of the </a:t>
+            </a:r>
+            <a:r>
+              <a:rPr lang="en-GB" dirty="0" err="1"/>
+              <a:t>daq</a:t>
+            </a:r>
+            <a:r>
+              <a:rPr lang="en-GB" dirty="0"/>
+              <a:t>… and only visible at low amplitudes… The way to fix for it is to ensure my </a:t>
+            </a:r>
+            <a:r>
+              <a:rPr lang="en-GB" dirty="0" err="1"/>
+              <a:t>daq</a:t>
+            </a:r>
+            <a:r>
+              <a:rPr lang="en-GB" dirty="0"/>
+              <a:t> ranges suit the voltage being injected. #</a:t>
+            </a:r>
+          </a:p>
+          <a:p>
+            <a:r>
+              <a:rPr lang="en-GB" dirty="0"/>
+              <a:t>The noise is coming from the voltage source, and not from the acoustic source. It seems to only occur when the transformer is attached to a non-linear load?</a:t>
+            </a:r>
+          </a:p>
+          <a:p>
+            <a:pPr marL="0" indent="0">
+              <a:buNone/>
+            </a:pPr>
+            <a:endParaRPr lang="en-GB" dirty="0"/>
+          </a:p>
+        </p:txBody>
+      </p:sp>
+    </p:spTree>
+    <p:extLst>
+      <p:ext uri="{BB962C8B-B14F-4D97-AF65-F5344CB8AC3E}">
+        <p14:creationId xmlns:p14="http://schemas.microsoft.com/office/powerpoint/2010/main" val="2482451229"/>
+      </p:ext>
+    </p:extLst>
+  </p:cSld>
+  <p:clrMapOvr>
+    <a:masterClrMapping/>
+  </p:clrMapOvr>
+</p:sld>
+</file>
+
 <file path=ppt/slides/slide2.xml><?xml version="1.0" encoding="utf-8"?>
 <p:sld xmlns:a="http://schemas.openxmlformats.org/drawingml/2006/main" xmlns:r="http://schemas.openxmlformats.org/officeDocument/2006/relationships" xmlns:p="http://schemas.openxmlformats.org/presentationml/2006/main">
   <p:cSld>
@@ -3523,9 +4057,6 @@
               <a:rPr lang="en-GB" dirty="0"/>
               <a:t>I can’t see the k gamma in the raw signal that well – so what would it even demodulate? I need to see k gamma to be able to do anything. I can in file 3 and 4 (gain = 1000). </a:t>
             </a:r>
-          </a:p>
-          <a:p>
-            <a:endParaRPr lang="en-GB" dirty="0"/>
           </a:p>
           <a:p>
             <a:r>
@@ -3570,7 +4101,7 @@
           <p:cNvPr id="2" name="Title 1">
             <a:extLst>
               <a:ext uri="{FF2B5EF4-FFF2-40B4-BE49-F238E27FC236}">
-                <a16:creationId xmlns:a16="http://schemas.microsoft.com/office/drawing/2014/main" id="{D097EA5B-1E23-2B61-8009-32ADADA9877F}"/>
+                <a16:creationId xmlns:a16="http://schemas.microsoft.com/office/drawing/2014/main" id="{EE3400F8-AEF5-B820-A7A7-9BDD36EE65A4}"/>
               </a:ext>
             </a:extLst>
           </p:cNvPr>
@@ -3581,12 +4112,20 @@
             <p:ph type="title"/>
           </p:nvPr>
         </p:nvSpPr>
-        <p:spPr/>
-        <p:txBody>
-          <a:bodyPr/>
-          <a:lstStyle/>
-          <a:p>
-            <a:endParaRPr lang="en-GB"/>
+        <p:spPr>
+          <a:xfrm>
+            <a:off x="838200" y="365125"/>
+            <a:ext cx="10515600" cy="854075"/>
+          </a:xfrm>
+        </p:spPr>
+        <p:txBody>
+          <a:bodyPr/>
+          <a:lstStyle/>
+          <a:p>
+            <a:r>
+              <a:rPr lang="en-GB" dirty="0"/>
+              <a:t>MEPS</a:t>
+            </a:r>
           </a:p>
         </p:txBody>
       </p:sp>
@@ -3595,7 +4134,7 @@
           <p:cNvPr id="3" name="Content Placeholder 2">
             <a:extLst>
               <a:ext uri="{FF2B5EF4-FFF2-40B4-BE49-F238E27FC236}">
-                <a16:creationId xmlns:a16="http://schemas.microsoft.com/office/drawing/2014/main" id="{26F7DAF3-E8CA-274D-C3F0-6CA88C2F459A}"/>
+                <a16:creationId xmlns:a16="http://schemas.microsoft.com/office/drawing/2014/main" id="{45ED0769-DB89-EBCF-F692-2A6E87B8F2E4}"/>
               </a:ext>
             </a:extLst>
           </p:cNvPr>
@@ -3606,19 +4145,71 @@
             <p:ph idx="1"/>
           </p:nvPr>
         </p:nvSpPr>
-        <p:spPr/>
-        <p:txBody>
-          <a:bodyPr/>
-          <a:lstStyle/>
-          <a:p>
-            <a:endParaRPr lang="en-GB"/>
-          </a:p>
-        </p:txBody>
-      </p:sp>
+        <p:spPr>
+          <a:xfrm>
+            <a:off x="689946" y="1349943"/>
+            <a:ext cx="11148753" cy="1466215"/>
+          </a:xfrm>
+        </p:spPr>
+        <p:txBody>
+          <a:bodyPr>
+            <a:normAutofit fontScale="92500" lnSpcReduction="20000"/>
+          </a:bodyPr>
+          <a:lstStyle/>
+          <a:p>
+            <a:r>
+              <a:rPr lang="en-GB" dirty="0"/>
+              <a:t>I am a factor of 5 off, despite my input signals being correct. Something interesting is happening. The black signal shows the neural signal, which is off by a factor of 5 in frequency from the input signal difference. </a:t>
+            </a:r>
+          </a:p>
+          <a:p>
+            <a:r>
+              <a:rPr lang="en-GB" dirty="0"/>
+              <a:t>Answer, turns out one side was NOT plugged in… </a:t>
+            </a:r>
+          </a:p>
+        </p:txBody>
+      </p:sp>
+      <p:pic>
+        <p:nvPicPr>
+          <p:cNvPr id="5" name="Picture 4" descr="A graph of a graph&#10;&#10;Description automatically generated with medium confidence">
+            <a:extLst>
+              <a:ext uri="{FF2B5EF4-FFF2-40B4-BE49-F238E27FC236}">
+                <a16:creationId xmlns:a16="http://schemas.microsoft.com/office/drawing/2014/main" id="{F9DB2BC6-4705-595C-1777-76E967E8C00A}"/>
+              </a:ext>
+            </a:extLst>
+          </p:cNvPr>
+          <p:cNvPicPr>
+            <a:picLocks noChangeAspect="1"/>
+          </p:cNvPicPr>
+          <p:nvPr/>
+        </p:nvPicPr>
+        <p:blipFill>
+          <a:blip r:embed="rId2">
+            <a:extLst>
+              <a:ext uri="{28A0092B-C50C-407E-A947-70E740481C1C}">
+                <a14:useLocalDpi xmlns:a14="http://schemas.microsoft.com/office/drawing/2010/main" val="0"/>
+              </a:ext>
+            </a:extLst>
+          </a:blip>
+          <a:stretch>
+            <a:fillRect/>
+          </a:stretch>
+        </p:blipFill>
+        <p:spPr>
+          <a:xfrm>
+            <a:off x="1208108" y="2946902"/>
+            <a:ext cx="5608329" cy="3364998"/>
+          </a:xfrm>
+          <a:prstGeom prst="rect">
+            <a:avLst/>
+          </a:prstGeom>
+        </p:spPr>
+      </p:pic>
     </p:spTree>
     <p:extLst>
       <p:ext uri="{BB962C8B-B14F-4D97-AF65-F5344CB8AC3E}">
-        <p14:creationId xmlns:p14="http://schemas.microsoft.com/office/powerpoint/2010/main" val="3887509030"/>
+        <p14:creationId xmlns:p14="http://schemas.microsoft.com/office/powerpoint/2010/main" val="3383021353"/>
       </p:ext>
     </p:extLst>
   </p:cSld>
@@ -3650,7 +4241,7 @@
           <p:cNvPr id="2" name="Title 1">
             <a:extLst>
               <a:ext uri="{FF2B5EF4-FFF2-40B4-BE49-F238E27FC236}">
-                <a16:creationId xmlns:a16="http://schemas.microsoft.com/office/drawing/2014/main" id="{EE3400F8-AEF5-B820-A7A7-9BDD36EE65A4}"/>
+                <a16:creationId xmlns:a16="http://schemas.microsoft.com/office/drawing/2014/main" id="{D097EA5B-1E23-2B61-8009-32ADADA9877F}"/>
               </a:ext>
             </a:extLst>
           </p:cNvPr>
@@ -3663,17 +4254,19 @@
         </p:nvSpPr>
         <p:spPr>
           <a:xfrm>
-            <a:off x="838200" y="365125"/>
-            <a:ext cx="10515600" cy="854075"/>
+            <a:off x="838200" y="200025"/>
+            <a:ext cx="10515600" cy="676275"/>
           </a:xfrm>
         </p:spPr>
         <p:txBody>
-          <a:bodyPr/>
-          <a:lstStyle/>
-          <a:p>
-            <a:r>
-              <a:rPr lang="en-GB" dirty="0"/>
-              <a:t>MEPS</a:t>
+          <a:bodyPr>
+            <a:normAutofit fontScale="90000"/>
+          </a:bodyPr>
+          <a:lstStyle/>
+          <a:p>
+            <a:r>
+              <a:rPr lang="en-GB" dirty="0"/>
+              <a:t>Neural Recording exp 107 t2 </a:t>
             </a:r>
           </a:p>
         </p:txBody>
@@ -3683,7 +4276,7 @@
           <p:cNvPr id="3" name="Content Placeholder 2">
             <a:extLst>
               <a:ext uri="{FF2B5EF4-FFF2-40B4-BE49-F238E27FC236}">
-                <a16:creationId xmlns:a16="http://schemas.microsoft.com/office/drawing/2014/main" id="{45ED0769-DB89-EBCF-F692-2A6E87B8F2E4}"/>
+                <a16:creationId xmlns:a16="http://schemas.microsoft.com/office/drawing/2014/main" id="{26F7DAF3-E8CA-274D-C3F0-6CA88C2F459A}"/>
               </a:ext>
             </a:extLst>
           </p:cNvPr>
@@ -3696,8 +4289,8 @@
         </p:nvSpPr>
         <p:spPr>
           <a:xfrm>
-            <a:off x="689946" y="1349943"/>
-            <a:ext cx="11148753" cy="1466215"/>
+            <a:off x="533400" y="1155700"/>
+            <a:ext cx="11125200" cy="5384800"/>
           </a:xfrm>
         </p:spPr>
         <p:txBody>
@@ -3706,51 +4299,574 @@
           <a:p>
             <a:r>
               <a:rPr lang="en-GB" dirty="0"/>
-              <a:t>I am a factor of 5 off, despite my input signals being correct. Something interesting is happening. The black signal shows the neural signal, which is off by a factor of 5 in frequency from the input signal difference. </a:t>
-            </a:r>
-          </a:p>
-        </p:txBody>
-      </p:sp>
-      <p:pic>
-        <p:nvPicPr>
-          <p:cNvPr id="5" name="Picture 4" descr="A graph of a graph&#10;&#10;Description automatically generated with medium confidence">
-            <a:extLst>
-              <a:ext uri="{FF2B5EF4-FFF2-40B4-BE49-F238E27FC236}">
-                <a16:creationId xmlns:a16="http://schemas.microsoft.com/office/drawing/2014/main" id="{F9DB2BC6-4705-595C-1777-76E967E8C00A}"/>
-              </a:ext>
-            </a:extLst>
-          </p:cNvPr>
-          <p:cNvPicPr>
-            <a:picLocks noChangeAspect="1"/>
-          </p:cNvPicPr>
-          <p:nvPr/>
-        </p:nvPicPr>
-        <p:blipFill>
-          <a:blip r:embed="rId2">
-            <a:extLst>
-              <a:ext uri="{28A0092B-C50C-407E-A947-70E740481C1C}">
-                <a14:useLocalDpi xmlns:a14="http://schemas.microsoft.com/office/drawing/2010/main" val="0"/>
-              </a:ext>
-            </a:extLst>
-          </a:blip>
-          <a:stretch>
-            <a:fillRect/>
-          </a:stretch>
-        </p:blipFill>
-        <p:spPr>
-          <a:xfrm>
-            <a:off x="1208108" y="2946902"/>
-            <a:ext cx="5608329" cy="3364998"/>
-          </a:xfrm>
-          <a:prstGeom prst="rect">
-            <a:avLst/>
-          </a:prstGeom>
-        </p:spPr>
-      </p:pic>
+              <a:t>I have systematic noise in both current and pressure recordings. This may have to do with the Fs interacting with the applied US f or PRF. I should optimize this in the phantom. (It could be the Fs, or the new cable).</a:t>
+            </a:r>
+          </a:p>
+          <a:p>
+            <a:r>
+              <a:rPr lang="en-GB" dirty="0"/>
+              <a:t>Try using the other side of the current source from d bono, as it is isolated and effectively what I need to do the artefact test? Oops no- wrong frequency range(doesn’t output linearly under 10khz). </a:t>
+            </a:r>
+          </a:p>
+          <a:p>
+            <a:r>
+              <a:rPr lang="en-GB" dirty="0"/>
+              <a:t>I cannot definitely see f mixing in the current only artefact test – if I do I would need to use signal isolation on the end of the impedance adapter. </a:t>
+            </a:r>
+          </a:p>
+          <a:p>
+            <a:endParaRPr lang="en-GB" dirty="0"/>
+          </a:p>
+        </p:txBody>
+      </p:sp>
     </p:spTree>
     <p:extLst>
       <p:ext uri="{BB962C8B-B14F-4D97-AF65-F5344CB8AC3E}">
-        <p14:creationId xmlns:p14="http://schemas.microsoft.com/office/powerpoint/2010/main" val="3383021353"/>
+        <p14:creationId xmlns:p14="http://schemas.microsoft.com/office/powerpoint/2010/main" val="3887509030"/>
+      </p:ext>
+    </p:extLst>
+  </p:cSld>
+  <p:clrMapOvr>
+    <a:masterClrMapping/>
+  </p:clrMapOvr>
+</p:sld>
+</file>
+
+<file path=ppt/slides/slide5.xml><?xml version="1.0" encoding="utf-8"?>
+<p:sld xmlns:a="http://schemas.openxmlformats.org/drawingml/2006/main" xmlns:r="http://schemas.openxmlformats.org/officeDocument/2006/relationships" xmlns:p="http://schemas.openxmlformats.org/presentationml/2006/main">
+  <p:cSld>
+    <p:spTree>
+      <p:nvGrpSpPr>
+        <p:cNvPr id="1" name=""/>
+        <p:cNvGrpSpPr/>
+        <p:nvPr/>
+      </p:nvGrpSpPr>
+      <p:grpSpPr>
+        <a:xfrm>
+          <a:off x="0" y="0"/>
+          <a:ext cx="0" cy="0"/>
+          <a:chOff x="0" y="0"/>
+          <a:chExt cx="0" cy="0"/>
+        </a:xfrm>
+      </p:grpSpPr>
+      <p:sp>
+        <p:nvSpPr>
+          <p:cNvPr id="2" name="Title 1">
+            <a:extLst>
+              <a:ext uri="{FF2B5EF4-FFF2-40B4-BE49-F238E27FC236}">
+                <a16:creationId xmlns:a16="http://schemas.microsoft.com/office/drawing/2014/main" id="{3D156A54-E27A-77AC-A1B5-AFC60D3A26BA}"/>
+              </a:ext>
+            </a:extLst>
+          </p:cNvPr>
+          <p:cNvSpPr>
+            <a:spLocks noGrp="1"/>
+          </p:cNvSpPr>
+          <p:nvPr>
+            <p:ph type="title"/>
+          </p:nvPr>
+        </p:nvSpPr>
+        <p:spPr/>
+        <p:txBody>
+          <a:bodyPr/>
+          <a:lstStyle/>
+          <a:p>
+            <a:r>
+              <a:rPr lang="en-GB" dirty="0"/>
+              <a:t>Phantom tests. </a:t>
+            </a:r>
+          </a:p>
+        </p:txBody>
+      </p:sp>
+      <p:sp>
+        <p:nvSpPr>
+          <p:cNvPr id="3" name="Content Placeholder 2">
+            <a:extLst>
+              <a:ext uri="{FF2B5EF4-FFF2-40B4-BE49-F238E27FC236}">
+                <a16:creationId xmlns:a16="http://schemas.microsoft.com/office/drawing/2014/main" id="{A95B0939-8575-ACC3-153C-7C18F2F5B333}"/>
+              </a:ext>
+            </a:extLst>
+          </p:cNvPr>
+          <p:cNvSpPr>
+            <a:spLocks noGrp="1"/>
+          </p:cNvSpPr>
+          <p:nvPr>
+            <p:ph idx="1"/>
+          </p:nvPr>
+        </p:nvSpPr>
+        <p:spPr/>
+        <p:txBody>
+          <a:bodyPr/>
+          <a:lstStyle/>
+          <a:p>
+            <a:r>
+              <a:rPr lang="en-GB" dirty="0"/>
+              <a:t>Recreate the noise issue then fix it by modifying the sample rate. </a:t>
+            </a:r>
+          </a:p>
+          <a:p>
+            <a:r>
+              <a:rPr lang="en-GB" dirty="0"/>
+              <a:t>Try this also with MEPS. Was I getting the same thing? One of my probes was not connected. </a:t>
+            </a:r>
+          </a:p>
+        </p:txBody>
+      </p:sp>
+    </p:spTree>
+    <p:extLst>
+      <p:ext uri="{BB962C8B-B14F-4D97-AF65-F5344CB8AC3E}">
+        <p14:creationId xmlns:p14="http://schemas.microsoft.com/office/powerpoint/2010/main" val="1587127770"/>
+      </p:ext>
+    </p:extLst>
+  </p:cSld>
+  <p:clrMapOvr>
+    <a:masterClrMapping/>
+  </p:clrMapOvr>
+</p:sld>
+</file>
+
+<file path=ppt/slides/slide6.xml><?xml version="1.0" encoding="utf-8"?>
+<p:sld xmlns:a="http://schemas.openxmlformats.org/drawingml/2006/main" xmlns:r="http://schemas.openxmlformats.org/officeDocument/2006/relationships" xmlns:p="http://schemas.openxmlformats.org/presentationml/2006/main">
+  <p:cSld>
+    <p:spTree>
+      <p:nvGrpSpPr>
+        <p:cNvPr id="1" name=""/>
+        <p:cNvGrpSpPr/>
+        <p:nvPr/>
+      </p:nvGrpSpPr>
+      <p:grpSpPr>
+        <a:xfrm>
+          <a:off x="0" y="0"/>
+          <a:ext cx="0" cy="0"/>
+          <a:chOff x="0" y="0"/>
+          <a:chExt cx="0" cy="0"/>
+        </a:xfrm>
+      </p:grpSpPr>
+      <p:sp>
+        <p:nvSpPr>
+          <p:cNvPr id="2" name="Title 1">
+            <a:extLst>
+              <a:ext uri="{FF2B5EF4-FFF2-40B4-BE49-F238E27FC236}">
+                <a16:creationId xmlns:a16="http://schemas.microsoft.com/office/drawing/2014/main" id="{0AB9035D-E867-A9C7-DC7F-92000267A3A5}"/>
+              </a:ext>
+            </a:extLst>
+          </p:cNvPr>
+          <p:cNvSpPr>
+            <a:spLocks noGrp="1"/>
+          </p:cNvSpPr>
+          <p:nvPr>
+            <p:ph type="title"/>
+          </p:nvPr>
+        </p:nvSpPr>
+        <p:spPr/>
+        <p:txBody>
+          <a:bodyPr/>
+          <a:lstStyle/>
+          <a:p>
+            <a:r>
+              <a:rPr lang="en-GB" dirty="0"/>
+              <a:t>TODOs</a:t>
+            </a:r>
+          </a:p>
+        </p:txBody>
+      </p:sp>
+      <p:sp>
+        <p:nvSpPr>
+          <p:cNvPr id="3" name="Content Placeholder 2">
+            <a:extLst>
+              <a:ext uri="{FF2B5EF4-FFF2-40B4-BE49-F238E27FC236}">
+                <a16:creationId xmlns:a16="http://schemas.microsoft.com/office/drawing/2014/main" id="{8178A9E8-13D9-612F-8ED7-05706A253C46}"/>
+              </a:ext>
+            </a:extLst>
+          </p:cNvPr>
+          <p:cNvSpPr>
+            <a:spLocks noGrp="1"/>
+          </p:cNvSpPr>
+          <p:nvPr>
+            <p:ph idx="1"/>
+          </p:nvPr>
+        </p:nvSpPr>
+        <p:spPr>
+          <a:xfrm>
+            <a:off x="838199" y="1825625"/>
+            <a:ext cx="10798479" cy="4351338"/>
+          </a:xfrm>
+        </p:spPr>
+        <p:txBody>
+          <a:bodyPr/>
+          <a:lstStyle/>
+          <a:p>
+            <a:r>
+              <a:rPr lang="en-GB" dirty="0"/>
+              <a:t>Check heat mat for noise, check connectivity of the new measurement cable. </a:t>
+            </a:r>
+          </a:p>
+          <a:p>
+            <a:r>
+              <a:rPr lang="en-GB" dirty="0"/>
+              <a:t>Phantom: try mouse brain, mesh, PVDF+PVDF then transducer. I need to stop the US from mixing with itself. </a:t>
+            </a:r>
+          </a:p>
+          <a:p>
+            <a:r>
+              <a:rPr lang="en-GB" dirty="0"/>
+              <a:t>Or mouse brain, mesh, PVDF + PVDF, transducer so as to block the E signal from the transducer. </a:t>
+            </a:r>
+          </a:p>
+          <a:p>
+            <a:r>
+              <a:rPr lang="en-GB" dirty="0"/>
+              <a:t>The electric field alone, induces a DC artefact. Does this cause nerve block? </a:t>
+            </a:r>
+          </a:p>
+          <a:p>
+            <a:endParaRPr lang="en-GB" dirty="0"/>
+          </a:p>
+        </p:txBody>
+      </p:sp>
+    </p:spTree>
+    <p:extLst>
+      <p:ext uri="{BB962C8B-B14F-4D97-AF65-F5344CB8AC3E}">
+        <p14:creationId xmlns:p14="http://schemas.microsoft.com/office/powerpoint/2010/main" val="1677861101"/>
+      </p:ext>
+    </p:extLst>
+  </p:cSld>
+  <p:clrMapOvr>
+    <a:masterClrMapping/>
+  </p:clrMapOvr>
+</p:sld>
+</file>
+
+<file path=ppt/slides/slide7.xml><?xml version="1.0" encoding="utf-8"?>
+<p:sld xmlns:a="http://schemas.openxmlformats.org/drawingml/2006/main" xmlns:r="http://schemas.openxmlformats.org/officeDocument/2006/relationships" xmlns:p="http://schemas.openxmlformats.org/presentationml/2006/main">
+  <p:cSld>
+    <p:spTree>
+      <p:nvGrpSpPr>
+        <p:cNvPr id="1" name=""/>
+        <p:cNvGrpSpPr/>
+        <p:nvPr/>
+      </p:nvGrpSpPr>
+      <p:grpSpPr>
+        <a:xfrm>
+          <a:off x="0" y="0"/>
+          <a:ext cx="0" cy="0"/>
+          <a:chOff x="0" y="0"/>
+          <a:chExt cx="0" cy="0"/>
+        </a:xfrm>
+      </p:grpSpPr>
+      <p:sp>
+        <p:nvSpPr>
+          <p:cNvPr id="2" name="Title 1">
+            <a:extLst>
+              <a:ext uri="{FF2B5EF4-FFF2-40B4-BE49-F238E27FC236}">
+                <a16:creationId xmlns:a16="http://schemas.microsoft.com/office/drawing/2014/main" id="{D0F8AC36-8CB1-73EE-6E83-F9CE4AFE0450}"/>
+              </a:ext>
+            </a:extLst>
+          </p:cNvPr>
+          <p:cNvSpPr>
+            <a:spLocks noGrp="1"/>
+          </p:cNvSpPr>
+          <p:nvPr>
+            <p:ph type="title"/>
+          </p:nvPr>
+        </p:nvSpPr>
+        <p:spPr/>
+        <p:txBody>
+          <a:bodyPr/>
+          <a:lstStyle/>
+          <a:p>
+            <a:endParaRPr lang="en-GB"/>
+          </a:p>
+        </p:txBody>
+      </p:sp>
+      <p:sp>
+        <p:nvSpPr>
+          <p:cNvPr id="3" name="Content Placeholder 2">
+            <a:extLst>
+              <a:ext uri="{FF2B5EF4-FFF2-40B4-BE49-F238E27FC236}">
+                <a16:creationId xmlns:a16="http://schemas.microsoft.com/office/drawing/2014/main" id="{2DA62E54-80C7-BC57-8DDC-523487A30B11}"/>
+              </a:ext>
+            </a:extLst>
+          </p:cNvPr>
+          <p:cNvSpPr>
+            <a:spLocks noGrp="1"/>
+          </p:cNvSpPr>
+          <p:nvPr>
+            <p:ph idx="1"/>
+          </p:nvPr>
+        </p:nvSpPr>
+        <p:spPr/>
+        <p:txBody>
+          <a:bodyPr>
+            <a:normAutofit/>
+          </a:bodyPr>
+          <a:lstStyle/>
+          <a:p>
+            <a:r>
+              <a:rPr lang="en-GB" dirty="0"/>
+              <a:t>In future calibrate via the mixing prf.</a:t>
+            </a:r>
+          </a:p>
+          <a:p>
+            <a:r>
+              <a:rPr lang="en-GB" dirty="0"/>
+              <a:t>Insert electrode in the brain to get good delta. </a:t>
+            </a:r>
+          </a:p>
+          <a:p>
+            <a:r>
+              <a:rPr lang="en-GB" dirty="0"/>
+              <a:t>Analyse the data from this experiment. E107/t5. The data collected all seemed reasonable representation of where I am at. </a:t>
+            </a:r>
+          </a:p>
+          <a:p>
+            <a:r>
+              <a:rPr lang="en-GB" dirty="0"/>
+              <a:t>Do more phantom experiments to understand how to minimize the DC offset.  </a:t>
+            </a:r>
+          </a:p>
+          <a:p>
+            <a:r>
+              <a:rPr lang="en-GB" dirty="0"/>
+              <a:t>MEPS experiment needs US alone, E field alone to help understand the spiking. </a:t>
+            </a:r>
+          </a:p>
+          <a:p>
+            <a:r>
+              <a:rPr lang="en-GB" dirty="0"/>
+              <a:t>Look at the spiking activity when I apply dual ultrasound… </a:t>
+            </a:r>
+          </a:p>
+        </p:txBody>
+      </p:sp>
+    </p:spTree>
+    <p:extLst>
+      <p:ext uri="{BB962C8B-B14F-4D97-AF65-F5344CB8AC3E}">
+        <p14:creationId xmlns:p14="http://schemas.microsoft.com/office/powerpoint/2010/main" val="3717655477"/>
+      </p:ext>
+    </p:extLst>
+  </p:cSld>
+  <p:clrMapOvr>
+    <a:masterClrMapping/>
+  </p:clrMapOvr>
+</p:sld>
+</file>
+
+<file path=ppt/slides/slide8.xml><?xml version="1.0" encoding="utf-8"?>
+<p:sld xmlns:a="http://schemas.openxmlformats.org/drawingml/2006/main" xmlns:r="http://schemas.openxmlformats.org/officeDocument/2006/relationships" xmlns:p="http://schemas.openxmlformats.org/presentationml/2006/main">
+  <p:cSld>
+    <p:spTree>
+      <p:nvGrpSpPr>
+        <p:cNvPr id="1" name=""/>
+        <p:cNvGrpSpPr/>
+        <p:nvPr/>
+      </p:nvGrpSpPr>
+      <p:grpSpPr>
+        <a:xfrm>
+          <a:off x="0" y="0"/>
+          <a:ext cx="0" cy="0"/>
+          <a:chOff x="0" y="0"/>
+          <a:chExt cx="0" cy="0"/>
+        </a:xfrm>
+      </p:grpSpPr>
+      <p:sp>
+        <p:nvSpPr>
+          <p:cNvPr id="2" name="Title 1">
+            <a:extLst>
+              <a:ext uri="{FF2B5EF4-FFF2-40B4-BE49-F238E27FC236}">
+                <a16:creationId xmlns:a16="http://schemas.microsoft.com/office/drawing/2014/main" id="{24AEF093-08A8-F487-2FA3-E4B17B64BEC0}"/>
+              </a:ext>
+            </a:extLst>
+          </p:cNvPr>
+          <p:cNvSpPr>
+            <a:spLocks noGrp="1"/>
+          </p:cNvSpPr>
+          <p:nvPr>
+            <p:ph type="title"/>
+          </p:nvPr>
+        </p:nvSpPr>
+        <p:spPr/>
+        <p:txBody>
+          <a:bodyPr/>
+          <a:lstStyle/>
+          <a:p>
+            <a:r>
+              <a:rPr lang="en-GB" dirty="0"/>
+              <a:t>Neural Recording Date: 17/08/2023</a:t>
+            </a:r>
+          </a:p>
+        </p:txBody>
+      </p:sp>
+      <p:sp>
+        <p:nvSpPr>
+          <p:cNvPr id="3" name="Content Placeholder 2">
+            <a:extLst>
+              <a:ext uri="{FF2B5EF4-FFF2-40B4-BE49-F238E27FC236}">
+                <a16:creationId xmlns:a16="http://schemas.microsoft.com/office/drawing/2014/main" id="{5842C487-CDA9-6212-FC07-B6B7F94B3C80}"/>
+              </a:ext>
+            </a:extLst>
+          </p:cNvPr>
+          <p:cNvSpPr>
+            <a:spLocks noGrp="1"/>
+          </p:cNvSpPr>
+          <p:nvPr>
+            <p:ph idx="1"/>
+          </p:nvPr>
+        </p:nvSpPr>
+        <p:spPr>
+          <a:xfrm>
+            <a:off x="457200" y="1825625"/>
+            <a:ext cx="11329988" cy="4351338"/>
+          </a:xfrm>
+        </p:spPr>
+        <p:txBody>
+          <a:bodyPr/>
+          <a:lstStyle/>
+          <a:p>
+            <a:r>
+              <a:rPr lang="en-GB" dirty="0"/>
+              <a:t>The gamma is there whether I apply US or not, inclusive of spiking. I need to move to a timed metric like VEP, AND do demodulation at higher PRF frequencies. </a:t>
+            </a:r>
+          </a:p>
+          <a:p>
+            <a:r>
+              <a:rPr lang="en-GB" dirty="0"/>
+              <a:t>The previous paper by </a:t>
+            </a:r>
+            <a:r>
+              <a:rPr lang="en-GB" dirty="0" err="1"/>
+              <a:t>Xizi</a:t>
+            </a:r>
+            <a:r>
+              <a:rPr lang="en-GB" dirty="0"/>
+              <a:t> and co, may simply be the VEP sub-harmonics? Since their PRF was only 80. There result MAY BE an ARTEFACT. </a:t>
+            </a:r>
+          </a:p>
+          <a:p>
+            <a:r>
+              <a:rPr lang="en-GB" dirty="0"/>
+              <a:t>Plan a single non-recovery VEP demodulation experiment. </a:t>
+            </a:r>
+          </a:p>
+          <a:p>
+            <a:r>
+              <a:rPr lang="en-GB" dirty="0"/>
+              <a:t>I have results showing mixing is NOT occurring in the preamp. GREAT! </a:t>
+            </a:r>
+          </a:p>
+          <a:p>
+            <a:r>
+              <a:rPr lang="en-GB" dirty="0"/>
+              <a:t>However, I also need this applying US vs not result. </a:t>
+            </a:r>
+          </a:p>
+        </p:txBody>
+      </p:sp>
+    </p:spTree>
+    <p:extLst>
+      <p:ext uri="{BB962C8B-B14F-4D97-AF65-F5344CB8AC3E}">
+        <p14:creationId xmlns:p14="http://schemas.microsoft.com/office/powerpoint/2010/main" val="2464658206"/>
+      </p:ext>
+    </p:extLst>
+  </p:cSld>
+  <p:clrMapOvr>
+    <a:masterClrMapping/>
+  </p:clrMapOvr>
+</p:sld>
+</file>
+
+<file path=ppt/slides/slide9.xml><?xml version="1.0" encoding="utf-8"?>
+<p:sld xmlns:a="http://schemas.openxmlformats.org/drawingml/2006/main" xmlns:r="http://schemas.openxmlformats.org/officeDocument/2006/relationships" xmlns:p="http://schemas.openxmlformats.org/presentationml/2006/main">
+  <p:cSld>
+    <p:spTree>
+      <p:nvGrpSpPr>
+        <p:cNvPr id="1" name=""/>
+        <p:cNvGrpSpPr/>
+        <p:nvPr/>
+      </p:nvGrpSpPr>
+      <p:grpSpPr>
+        <a:xfrm>
+          <a:off x="0" y="0"/>
+          <a:ext cx="0" cy="0"/>
+          <a:chOff x="0" y="0"/>
+          <a:chExt cx="0" cy="0"/>
+        </a:xfrm>
+      </p:grpSpPr>
+      <p:sp>
+        <p:nvSpPr>
+          <p:cNvPr id="2" name="Title 1">
+            <a:extLst>
+              <a:ext uri="{FF2B5EF4-FFF2-40B4-BE49-F238E27FC236}">
+                <a16:creationId xmlns:a16="http://schemas.microsoft.com/office/drawing/2014/main" id="{9900430F-955C-58EA-DC80-378A49FFDD5C}"/>
+              </a:ext>
+            </a:extLst>
+          </p:cNvPr>
+          <p:cNvSpPr>
+            <a:spLocks noGrp="1"/>
+          </p:cNvSpPr>
+          <p:nvPr>
+            <p:ph type="title"/>
+          </p:nvPr>
+        </p:nvSpPr>
+        <p:spPr>
+          <a:xfrm>
+            <a:off x="838200" y="365126"/>
+            <a:ext cx="10515600" cy="873740"/>
+          </a:xfrm>
+        </p:spPr>
+        <p:txBody>
+          <a:bodyPr/>
+          <a:lstStyle/>
+          <a:p>
+            <a:r>
+              <a:rPr lang="en-GB" dirty="0"/>
+              <a:t>MEPS</a:t>
+            </a:r>
+          </a:p>
+        </p:txBody>
+      </p:sp>
+      <p:sp>
+        <p:nvSpPr>
+          <p:cNvPr id="3" name="Content Placeholder 2">
+            <a:extLst>
+              <a:ext uri="{FF2B5EF4-FFF2-40B4-BE49-F238E27FC236}">
+                <a16:creationId xmlns:a16="http://schemas.microsoft.com/office/drawing/2014/main" id="{07B26249-D0FD-47AF-390C-C51B6BB49DA6}"/>
+              </a:ext>
+            </a:extLst>
+          </p:cNvPr>
+          <p:cNvSpPr>
+            <a:spLocks noGrp="1"/>
+          </p:cNvSpPr>
+          <p:nvPr>
+            <p:ph idx="1"/>
+          </p:nvPr>
+        </p:nvSpPr>
+        <p:spPr>
+          <a:xfrm>
+            <a:off x="838200" y="1401097"/>
+            <a:ext cx="10515600" cy="4775866"/>
+          </a:xfrm>
+        </p:spPr>
+        <p:txBody>
+          <a:bodyPr/>
+          <a:lstStyle/>
+          <a:p>
+            <a:r>
+              <a:rPr lang="en-GB" dirty="0"/>
+              <a:t>Going back to dual acoustic, I had about 4000 microvolts p-p when I saw something(1Hz). It was very clear and without all this noise. </a:t>
+            </a:r>
+          </a:p>
+          <a:p>
+            <a:r>
+              <a:rPr lang="en-GB" dirty="0"/>
+              <a:t>e100_neural_recording_pat_e_mouse\t6_mep_delta_wave_motorcortex, shows the good data. </a:t>
+            </a:r>
+          </a:p>
+        </p:txBody>
+      </p:sp>
+    </p:spTree>
+    <p:extLst>
+      <p:ext uri="{BB962C8B-B14F-4D97-AF65-F5344CB8AC3E}">
+        <p14:creationId xmlns:p14="http://schemas.microsoft.com/office/powerpoint/2010/main" val="3619001424"/>
       </p:ext>
     </p:extLst>
   </p:cSld>
